--- a/task3_1P/Task3.1.pptx
+++ b/task3_1P/Task3.1.pptx
@@ -576,7 +576,7 @@
             </a:ln>
             <a:extLst>
               <a:ext uri="{91240B29-F687-4f45-9708-019B960494DF}">
-                <a14:hiddenLine xmlns:a14="http://schemas.microsoft.com/office/drawing/2010/main" xmlns="" w="9525">
+                <a14:hiddenLine xmlns="" xmlns:a14="http://schemas.microsoft.com/office/drawing/2010/main" w="9525">
                   <a:solidFill>
                     <a:srgbClr val="000000"/>
                   </a:solidFill>
@@ -773,7 +773,7 @@
           <a:p>
             <a:fld id="{5BCAD085-E8A6-8845-BD4E-CB4CCA059FC4}" type="datetimeFigureOut">
               <a:rPr lang="en-US" smtClean="0"/>
-              <a:t>3/30/25</a:t>
+              <a:t>4/1/25</a:t>
             </a:fld>
             <a:endParaRPr lang="en-US"/>
           </a:p>
@@ -1657,7 +1657,7 @@
             </a:ln>
             <a:extLst>
               <a:ext uri="{91240B29-F687-4f45-9708-019B960494DF}">
-                <a14:hiddenLine xmlns:a14="http://schemas.microsoft.com/office/drawing/2010/main" xmlns="" w="9525">
+                <a14:hiddenLine xmlns="" xmlns:a14="http://schemas.microsoft.com/office/drawing/2010/main" w="9525">
                   <a:solidFill>
                     <a:srgbClr val="000000"/>
                   </a:solidFill>
@@ -1874,7 +1874,7 @@
           <a:p>
             <a:fld id="{5BCAD085-E8A6-8845-BD4E-CB4CCA059FC4}" type="datetimeFigureOut">
               <a:rPr lang="en-US" smtClean="0"/>
-              <a:t>3/30/25</a:t>
+              <a:t>4/1/25</a:t>
             </a:fld>
             <a:endParaRPr lang="en-US"/>
           </a:p>
@@ -2743,7 +2743,7 @@
             </a:ln>
             <a:extLst>
               <a:ext uri="{91240B29-F687-4f45-9708-019B960494DF}">
-                <a14:hiddenLine xmlns:a14="http://schemas.microsoft.com/office/drawing/2010/main" xmlns="" w="9525">
+                <a14:hiddenLine xmlns="" xmlns:a14="http://schemas.microsoft.com/office/drawing/2010/main" w="9525">
                   <a:solidFill>
                     <a:srgbClr val="000000"/>
                   </a:solidFill>
@@ -2872,7 +2872,7 @@
           <a:p>
             <a:fld id="{5BCAD085-E8A6-8845-BD4E-CB4CCA059FC4}" type="datetimeFigureOut">
               <a:rPr lang="en-US" smtClean="0"/>
-              <a:t>3/30/25</a:t>
+              <a:t>4/1/25</a:t>
             </a:fld>
             <a:endParaRPr lang="en-US"/>
           </a:p>
@@ -3704,7 +3704,7 @@
             </a:ln>
             <a:extLst>
               <a:ext uri="{91240B29-F687-4f45-9708-019B960494DF}">
-                <a14:hiddenLine xmlns:a14="http://schemas.microsoft.com/office/drawing/2010/main" xmlns="" w="9525">
+                <a14:hiddenLine xmlns="" xmlns:a14="http://schemas.microsoft.com/office/drawing/2010/main" w="9525">
                   <a:solidFill>
                     <a:srgbClr val="000000"/>
                   </a:solidFill>
@@ -3987,7 +3987,7 @@
           <a:p>
             <a:fld id="{5BCAD085-E8A6-8845-BD4E-CB4CCA059FC4}" type="datetimeFigureOut">
               <a:rPr lang="en-US" smtClean="0"/>
-              <a:t>3/30/25</a:t>
+              <a:t>4/1/25</a:t>
             </a:fld>
             <a:endParaRPr lang="en-US"/>
           </a:p>
@@ -4819,7 +4819,7 @@
             </a:ln>
             <a:extLst>
               <a:ext uri="{91240B29-F687-4f45-9708-019B960494DF}">
-                <a14:hiddenLine xmlns:a14="http://schemas.microsoft.com/office/drawing/2010/main" xmlns="" w="9525">
+                <a14:hiddenLine xmlns="" xmlns:a14="http://schemas.microsoft.com/office/drawing/2010/main" w="9525">
                   <a:solidFill>
                     <a:srgbClr val="000000"/>
                   </a:solidFill>
@@ -5001,7 +5001,7 @@
           <a:p>
             <a:fld id="{5BCAD085-E8A6-8845-BD4E-CB4CCA059FC4}" type="datetimeFigureOut">
               <a:rPr lang="en-US" smtClean="0"/>
-              <a:t>3/30/25</a:t>
+              <a:t>4/1/25</a:t>
             </a:fld>
             <a:endParaRPr lang="en-US"/>
           </a:p>
@@ -5673,7 +5673,7 @@
           <a:p>
             <a:fld id="{5BCAD085-E8A6-8845-BD4E-CB4CCA059FC4}" type="datetimeFigureOut">
               <a:rPr lang="en-US" smtClean="0"/>
-              <a:t>3/30/25</a:t>
+              <a:t>4/1/25</a:t>
             </a:fld>
             <a:endParaRPr lang="en-US"/>
           </a:p>
@@ -6546,7 +6546,7 @@
           <a:p>
             <a:fld id="{5BCAD085-E8A6-8845-BD4E-CB4CCA059FC4}" type="datetimeFigureOut">
               <a:rPr lang="en-US" smtClean="0"/>
-              <a:t>3/30/25</a:t>
+              <a:t>4/1/25</a:t>
             </a:fld>
             <a:endParaRPr lang="en-US"/>
           </a:p>
@@ -6728,7 +6728,7 @@
           <a:p>
             <a:fld id="{5BCAD085-E8A6-8845-BD4E-CB4CCA059FC4}" type="datetimeFigureOut">
               <a:rPr lang="en-US" smtClean="0"/>
-              <a:t>3/30/25</a:t>
+              <a:t>4/1/25</a:t>
             </a:fld>
             <a:endParaRPr lang="en-US"/>
           </a:p>
@@ -7558,7 +7558,7 @@
           </a:ln>
           <a:extLst>
             <a:ext uri="{91240B29-F687-4f45-9708-019B960494DF}">
-              <a14:hiddenLine xmlns:a14="http://schemas.microsoft.com/office/drawing/2010/main" xmlns="" w="9525">
+              <a14:hiddenLine xmlns="" xmlns:a14="http://schemas.microsoft.com/office/drawing/2010/main" w="9525">
                 <a:solidFill>
                   <a:srgbClr val="000000"/>
                 </a:solidFill>
@@ -7672,7 +7672,7 @@
           <a:p>
             <a:fld id="{5BCAD085-E8A6-8845-BD4E-CB4CCA059FC4}" type="datetimeFigureOut">
               <a:rPr lang="en-US" smtClean="0"/>
-              <a:t>3/30/25</a:t>
+              <a:t>4/1/25</a:t>
             </a:fld>
             <a:endParaRPr lang="en-US"/>
           </a:p>
@@ -7899,7 +7899,7 @@
           <a:p>
             <a:fld id="{5BCAD085-E8A6-8845-BD4E-CB4CCA059FC4}" type="datetimeFigureOut">
               <a:rPr lang="en-US" smtClean="0"/>
-              <a:t>3/30/25</a:t>
+              <a:t>4/1/25</a:t>
             </a:fld>
             <a:endParaRPr lang="en-US"/>
           </a:p>
@@ -8728,7 +8728,7 @@
             </a:ln>
             <a:extLst>
               <a:ext uri="{91240B29-F687-4f45-9708-019B960494DF}">
-                <a14:hiddenLine xmlns:a14="http://schemas.microsoft.com/office/drawing/2010/main" xmlns="" w="9525">
+                <a14:hiddenLine xmlns="" xmlns:a14="http://schemas.microsoft.com/office/drawing/2010/main" w="9525">
                   <a:solidFill>
                     <a:srgbClr val="000000"/>
                   </a:solidFill>
@@ -8910,7 +8910,7 @@
           <a:p>
             <a:fld id="{5BCAD085-E8A6-8845-BD4E-CB4CCA059FC4}" type="datetimeFigureOut">
               <a:rPr lang="en-US" smtClean="0"/>
-              <a:t>3/30/25</a:t>
+              <a:t>4/1/25</a:t>
             </a:fld>
             <a:endParaRPr lang="en-US"/>
           </a:p>
@@ -9194,7 +9194,7 @@
           <a:p>
             <a:fld id="{5BCAD085-E8A6-8845-BD4E-CB4CCA059FC4}" type="datetimeFigureOut">
               <a:rPr lang="en-US" smtClean="0"/>
-              <a:t>3/30/25</a:t>
+              <a:t>4/1/25</a:t>
             </a:fld>
             <a:endParaRPr lang="en-US"/>
           </a:p>
@@ -9594,7 +9594,7 @@
           <a:p>
             <a:fld id="{5BCAD085-E8A6-8845-BD4E-CB4CCA059FC4}" type="datetimeFigureOut">
               <a:rPr lang="en-US" smtClean="0"/>
-              <a:t>3/30/25</a:t>
+              <a:t>4/1/25</a:t>
             </a:fld>
             <a:endParaRPr lang="en-US"/>
           </a:p>
@@ -9724,7 +9724,7 @@
           <a:p>
             <a:fld id="{5BCAD085-E8A6-8845-BD4E-CB4CCA059FC4}" type="datetimeFigureOut">
               <a:rPr lang="en-US" smtClean="0"/>
-              <a:t>3/30/25</a:t>
+              <a:t>4/1/25</a:t>
             </a:fld>
             <a:endParaRPr lang="en-US"/>
           </a:p>
@@ -9867,7 +9867,7 @@
           <a:p>
             <a:fld id="{5BCAD085-E8A6-8845-BD4E-CB4CCA059FC4}" type="datetimeFigureOut">
               <a:rPr lang="en-US" smtClean="0"/>
-              <a:t>3/30/25</a:t>
+              <a:t>4/1/25</a:t>
             </a:fld>
             <a:endParaRPr lang="en-US"/>
           </a:p>
@@ -10696,7 +10696,7 @@
             </a:ln>
             <a:extLst>
               <a:ext uri="{91240B29-F687-4f45-9708-019B960494DF}">
-                <a14:hiddenLine xmlns:a14="http://schemas.microsoft.com/office/drawing/2010/main" xmlns="" w="9525">
+                <a14:hiddenLine xmlns="" xmlns:a14="http://schemas.microsoft.com/office/drawing/2010/main" w="9525">
                   <a:solidFill>
                     <a:srgbClr val="000000"/>
                   </a:solidFill>
@@ -10889,7 +10889,7 @@
           <a:p>
             <a:fld id="{5BCAD085-E8A6-8845-BD4E-CB4CCA059FC4}" type="datetimeFigureOut">
               <a:rPr lang="en-US" smtClean="0"/>
-              <a:t>3/30/25</a:t>
+              <a:t>4/1/25</a:t>
             </a:fld>
             <a:endParaRPr lang="en-US"/>
           </a:p>
@@ -11754,7 +11754,7 @@
             </a:ln>
             <a:extLst>
               <a:ext uri="{91240B29-F687-4f45-9708-019B960494DF}">
-                <a14:hiddenLine xmlns:a14="http://schemas.microsoft.com/office/drawing/2010/main" xmlns="" w="9525">
+                <a14:hiddenLine xmlns="" xmlns:a14="http://schemas.microsoft.com/office/drawing/2010/main" w="9525">
                   <a:solidFill>
                     <a:srgbClr val="000000"/>
                   </a:solidFill>
@@ -11971,7 +11971,7 @@
           <a:p>
             <a:fld id="{5BCAD085-E8A6-8845-BD4E-CB4CCA059FC4}" type="datetimeFigureOut">
               <a:rPr lang="en-US" smtClean="0"/>
-              <a:t>3/30/25</a:t>
+              <a:t>4/1/25</a:t>
             </a:fld>
             <a:endParaRPr lang="en-US"/>
           </a:p>
@@ -12804,7 +12804,7 @@
             </a:ln>
             <a:extLst>
               <a:ext uri="{91240B29-F687-4f45-9708-019B960494DF}">
-                <a14:hiddenLine xmlns:a14="http://schemas.microsoft.com/office/drawing/2010/main" xmlns="" w="9525">
+                <a14:hiddenLine xmlns="" xmlns:a14="http://schemas.microsoft.com/office/drawing/2010/main" w="9525">
                   <a:solidFill>
                     <a:srgbClr val="000000"/>
                   </a:solidFill>
@@ -12945,7 +12945,7 @@
           <a:p>
             <a:fld id="{5BCAD085-E8A6-8845-BD4E-CB4CCA059FC4}" type="datetimeFigureOut">
               <a:rPr lang="en-US" smtClean="0"/>
-              <a:t>3/30/25</a:t>
+              <a:t>4/1/25</a:t>
             </a:fld>
             <a:endParaRPr lang="en-US"/>
           </a:p>
